--- a/dd2_ayan_aubhik.pptx
+++ b/dd2_ayan_aubhik.pptx
@@ -5,29 +5,30 @@
     <p:sldMasterId id="2147483659" r:id="rId1"/>
   </p:sldMasterIdLst>
   <p:notesMasterIdLst>
-    <p:notesMasterId r:id="rId22"/>
+    <p:notesMasterId r:id="rId23"/>
   </p:notesMasterIdLst>
   <p:sldIdLst>
     <p:sldId id="256" r:id="rId2"/>
     <p:sldId id="257" r:id="rId3"/>
     <p:sldId id="258" r:id="rId4"/>
     <p:sldId id="259" r:id="rId5"/>
-    <p:sldId id="260" r:id="rId6"/>
-    <p:sldId id="261" r:id="rId7"/>
-    <p:sldId id="262" r:id="rId8"/>
-    <p:sldId id="263" r:id="rId9"/>
-    <p:sldId id="264" r:id="rId10"/>
-    <p:sldId id="265" r:id="rId11"/>
-    <p:sldId id="266" r:id="rId12"/>
-    <p:sldId id="267" r:id="rId13"/>
-    <p:sldId id="268" r:id="rId14"/>
-    <p:sldId id="269" r:id="rId15"/>
-    <p:sldId id="270" r:id="rId16"/>
-    <p:sldId id="271" r:id="rId17"/>
-    <p:sldId id="272" r:id="rId18"/>
-    <p:sldId id="273" r:id="rId19"/>
-    <p:sldId id="274" r:id="rId20"/>
-    <p:sldId id="275" r:id="rId21"/>
+    <p:sldId id="276" r:id="rId6"/>
+    <p:sldId id="260" r:id="rId7"/>
+    <p:sldId id="261" r:id="rId8"/>
+    <p:sldId id="262" r:id="rId9"/>
+    <p:sldId id="263" r:id="rId10"/>
+    <p:sldId id="264" r:id="rId11"/>
+    <p:sldId id="265" r:id="rId12"/>
+    <p:sldId id="266" r:id="rId13"/>
+    <p:sldId id="267" r:id="rId14"/>
+    <p:sldId id="268" r:id="rId15"/>
+    <p:sldId id="269" r:id="rId16"/>
+    <p:sldId id="270" r:id="rId17"/>
+    <p:sldId id="271" r:id="rId18"/>
+    <p:sldId id="272" r:id="rId19"/>
+    <p:sldId id="273" r:id="rId20"/>
+    <p:sldId id="274" r:id="rId21"/>
+    <p:sldId id="275" r:id="rId22"/>
   </p:sldIdLst>
   <p:sldSz cx="9144000" cy="5143500" type="screen16x9"/>
   <p:notesSz cx="6858000" cy="9144000"/>
@@ -7418,6 +7419,207 @@
   <p:cSld>
     <p:spTree>
       <p:nvGrpSpPr>
+        <p:cNvPr id="1" name="Shape 106"/>
+        <p:cNvGrpSpPr/>
+        <p:nvPr/>
+      </p:nvGrpSpPr>
+      <p:grpSpPr>
+        <a:xfrm>
+          <a:off x="0" y="0"/>
+          <a:ext cx="0" cy="0"/>
+          <a:chOff x="0" y="0"/>
+          <a:chExt cx="0" cy="0"/>
+        </a:xfrm>
+      </p:grpSpPr>
+      <p:sp>
+        <p:nvSpPr>
+          <p:cNvPr id="107" name="Shape 107"/>
+          <p:cNvSpPr txBox="1">
+            <a:spLocks noGrp="1"/>
+          </p:cNvSpPr>
+          <p:nvPr>
+            <p:ph type="title"/>
+          </p:nvPr>
+        </p:nvSpPr>
+        <p:spPr>
+          <a:xfrm>
+            <a:off x="311700" y="445025"/>
+            <a:ext cx="8520600" cy="572700"/>
+          </a:xfrm>
+          <a:prstGeom prst="rect">
+            <a:avLst/>
+          </a:prstGeom>
+        </p:spPr>
+        <p:txBody>
+          <a:bodyPr spcFirstLastPara="1" wrap="square" lIns="91425" tIns="91425" rIns="91425" bIns="91425" anchor="t" anchorCtr="0">
+            <a:noAutofit/>
+          </a:bodyPr>
+          <a:lstStyle/>
+          <a:p>
+            <a:pPr marL="0" lvl="0" indent="0" algn="ctr">
+              <a:spcBef>
+                <a:spcPts val="0"/>
+              </a:spcBef>
+              <a:spcAft>
+                <a:spcPts val="0"/>
+              </a:spcAft>
+              <a:buNone/>
+            </a:pPr>
+            <a:r>
+              <a:rPr lang="en-GB" dirty="0"/>
+              <a:t>Check Distribution</a:t>
+            </a:r>
+            <a:endParaRPr dirty="0"/>
+          </a:p>
+        </p:txBody>
+      </p:sp>
+      <p:sp>
+        <p:nvSpPr>
+          <p:cNvPr id="108" name="Shape 108"/>
+          <p:cNvSpPr txBox="1">
+            <a:spLocks noGrp="1"/>
+          </p:cNvSpPr>
+          <p:nvPr>
+            <p:ph type="body" idx="1"/>
+          </p:nvPr>
+        </p:nvSpPr>
+        <p:spPr>
+          <a:xfrm>
+            <a:off x="311700" y="1152475"/>
+            <a:ext cx="8520600" cy="3416400"/>
+          </a:xfrm>
+          <a:prstGeom prst="rect">
+            <a:avLst/>
+          </a:prstGeom>
+        </p:spPr>
+        <p:txBody>
+          <a:bodyPr spcFirstLastPara="1" wrap="square" lIns="91425" tIns="91425" rIns="91425" bIns="91425" anchor="t" anchorCtr="0">
+            <a:noAutofit/>
+          </a:bodyPr>
+          <a:lstStyle/>
+          <a:p>
+            <a:pPr marL="457200" lvl="0" indent="-342900" rtl="0">
+              <a:spcBef>
+                <a:spcPts val="0"/>
+              </a:spcBef>
+              <a:spcAft>
+                <a:spcPts val="0"/>
+              </a:spcAft>
+              <a:buSzPts val="1800"/>
+              <a:buChar char="●"/>
+            </a:pPr>
+            <a:r>
+              <a:rPr lang="en-GB"/>
+              <a:t>Predicting outcome=1 for all observations</a:t>
+            </a:r>
+            <a:endParaRPr/>
+          </a:p>
+          <a:p>
+            <a:pPr marL="914400" lvl="1" indent="-317500" rtl="0">
+              <a:spcBef>
+                <a:spcPts val="0"/>
+              </a:spcBef>
+              <a:spcAft>
+                <a:spcPts val="0"/>
+              </a:spcAft>
+              <a:buSzPts val="1400"/>
+              <a:buChar char="○"/>
+            </a:pPr>
+            <a:r>
+              <a:rPr lang="en-GB"/>
+              <a:t>Accuracy = 34.533%</a:t>
+            </a:r>
+            <a:endParaRPr/>
+          </a:p>
+          <a:p>
+            <a:pPr marL="0" lvl="0" indent="0" rtl="0">
+              <a:spcBef>
+                <a:spcPts val="1600"/>
+              </a:spcBef>
+              <a:spcAft>
+                <a:spcPts val="0"/>
+              </a:spcAft>
+              <a:buNone/>
+            </a:pPr>
+            <a:endParaRPr/>
+          </a:p>
+          <a:p>
+            <a:pPr marL="457200" lvl="0" indent="-342900" rtl="0">
+              <a:spcBef>
+                <a:spcPts val="1600"/>
+              </a:spcBef>
+              <a:spcAft>
+                <a:spcPts val="0"/>
+              </a:spcAft>
+              <a:buSzPts val="1800"/>
+              <a:buChar char="●"/>
+            </a:pPr>
+            <a:r>
+              <a:rPr lang="en-GB"/>
+              <a:t>Prediction outcome=0 for all observations</a:t>
+            </a:r>
+            <a:endParaRPr/>
+          </a:p>
+          <a:p>
+            <a:pPr marL="914400" lvl="1" indent="-317500" rtl="0">
+              <a:spcBef>
+                <a:spcPts val="0"/>
+              </a:spcBef>
+              <a:spcAft>
+                <a:spcPts val="0"/>
+              </a:spcAft>
+              <a:buSzPts val="1400"/>
+              <a:buChar char="○"/>
+            </a:pPr>
+            <a:r>
+              <a:rPr lang="en-GB"/>
+              <a:t>Accuracy = 65.104%</a:t>
+            </a:r>
+            <a:endParaRPr/>
+          </a:p>
+          <a:p>
+            <a:pPr marL="0" lvl="0" indent="0" rtl="0">
+              <a:spcBef>
+                <a:spcPts val="1600"/>
+              </a:spcBef>
+              <a:spcAft>
+                <a:spcPts val="0"/>
+              </a:spcAft>
+              <a:buNone/>
+            </a:pPr>
+            <a:endParaRPr/>
+          </a:p>
+          <a:p>
+            <a:pPr marL="0" lvl="0" indent="457200">
+              <a:spcBef>
+                <a:spcPts val="1600"/>
+              </a:spcBef>
+              <a:spcAft>
+                <a:spcPts val="1600"/>
+              </a:spcAft>
+              <a:buNone/>
+            </a:pPr>
+            <a:r>
+              <a:rPr lang="en-GB"/>
+              <a:t>=&gt; We should test for an alternative hypothesis</a:t>
+            </a:r>
+            <a:endParaRPr/>
+          </a:p>
+        </p:txBody>
+      </p:sp>
+    </p:spTree>
+  </p:cSld>
+  <p:clrMapOvr>
+    <a:masterClrMapping/>
+  </p:clrMapOvr>
+</p:sld>
+</file>
+
+<file path=ppt/slides/slide11.xml><?xml version="1.0" encoding="utf-8"?>
+<p:sld xmlns:a="http://schemas.openxmlformats.org/drawingml/2006/main" xmlns:r="http://schemas.openxmlformats.org/officeDocument/2006/relationships" xmlns:p="http://schemas.openxmlformats.org/presentationml/2006/main">
+  <p:cSld>
+    <p:spTree>
+      <p:nvGrpSpPr>
         <p:cNvPr id="1" name="Shape 112"/>
         <p:cNvGrpSpPr/>
         <p:nvPr/>
@@ -7578,7 +7780,7 @@
 </p:sld>
 </file>
 
-<file path=ppt/slides/slide11.xml><?xml version="1.0" encoding="utf-8"?>
+<file path=ppt/slides/slide12.xml><?xml version="1.0" encoding="utf-8"?>
 <p:sld xmlns:a="http://schemas.openxmlformats.org/drawingml/2006/main" xmlns:r="http://schemas.openxmlformats.org/officeDocument/2006/relationships" xmlns:p="http://schemas.openxmlformats.org/presentationml/2006/main">
   <p:cSld>
     <p:spTree>
@@ -7955,7 +8157,7 @@
 </p:sld>
 </file>
 
-<file path=ppt/slides/slide12.xml><?xml version="1.0" encoding="utf-8"?>
+<file path=ppt/slides/slide13.xml><?xml version="1.0" encoding="utf-8"?>
 <p:sld xmlns:a="http://schemas.openxmlformats.org/drawingml/2006/main" xmlns:r="http://schemas.openxmlformats.org/officeDocument/2006/relationships" xmlns:p="http://schemas.openxmlformats.org/presentationml/2006/main">
   <p:cSld>
     <p:spTree>
@@ -8078,7 +8280,7 @@
 </p:sld>
 </file>
 
-<file path=ppt/slides/slide13.xml><?xml version="1.0" encoding="utf-8"?>
+<file path=ppt/slides/slide14.xml><?xml version="1.0" encoding="utf-8"?>
 <p:sld xmlns:a="http://schemas.openxmlformats.org/drawingml/2006/main" xmlns:r="http://schemas.openxmlformats.org/officeDocument/2006/relationships" xmlns:p="http://schemas.openxmlformats.org/presentationml/2006/main">
   <p:cSld>
     <p:spTree>
@@ -8307,7 +8509,7 @@
 </p:sld>
 </file>
 
-<file path=ppt/slides/slide14.xml><?xml version="1.0" encoding="utf-8"?>
+<file path=ppt/slides/slide15.xml><?xml version="1.0" encoding="utf-8"?>
 <p:sld xmlns:a="http://schemas.openxmlformats.org/drawingml/2006/main" xmlns:r="http://schemas.openxmlformats.org/officeDocument/2006/relationships" xmlns:p="http://schemas.openxmlformats.org/presentationml/2006/main">
   <p:cSld>
     <p:spTree>
@@ -8632,7 +8834,7 @@
 </p:sld>
 </file>
 
-<file path=ppt/slides/slide15.xml><?xml version="1.0" encoding="utf-8"?>
+<file path=ppt/slides/slide16.xml><?xml version="1.0" encoding="utf-8"?>
 <p:sld xmlns:a="http://schemas.openxmlformats.org/drawingml/2006/main" xmlns:r="http://schemas.openxmlformats.org/officeDocument/2006/relationships" xmlns:p="http://schemas.openxmlformats.org/presentationml/2006/main">
   <p:cSld>
     <p:spTree>
@@ -8691,8 +8893,8 @@
           </a:p>
         </p:txBody>
       </p:sp>
-      <mc:AlternateContent xmlns:mc="http://schemas.openxmlformats.org/markup-compatibility/2006">
-        <mc:Choice xmlns:a14="http://schemas.microsoft.com/office/drawing/2010/main" Requires="a14">
+      <mc:AlternateContent xmlns:mc="http://schemas.openxmlformats.org/markup-compatibility/2006" xmlns:a14="http://schemas.microsoft.com/office/drawing/2010/main">
+        <mc:Choice Requires="a14">
           <p:sp>
             <p:nvSpPr>
               <p:cNvPr id="148" name="Shape 148"/>
@@ -9810,7 +10012,7 @@
             </p:txBody>
           </p:sp>
         </mc:Choice>
-        <mc:Fallback>
+        <mc:Fallback xmlns="">
           <p:sp>
             <p:nvSpPr>
               <p:cNvPr id="148" name="Shape 148"/>
@@ -9859,7 +10061,7 @@
 </p:sld>
 </file>
 
-<file path=ppt/slides/slide16.xml><?xml version="1.0" encoding="utf-8"?>
+<file path=ppt/slides/slide17.xml><?xml version="1.0" encoding="utf-8"?>
 <p:sld xmlns:a="http://schemas.openxmlformats.org/drawingml/2006/main" xmlns:r="http://schemas.openxmlformats.org/officeDocument/2006/relationships" xmlns:p="http://schemas.openxmlformats.org/presentationml/2006/main">
   <p:cSld>
     <p:spTree>
@@ -10420,7 +10622,7 @@
 </p:sld>
 </file>
 
-<file path=ppt/slides/slide17.xml><?xml version="1.0" encoding="utf-8"?>
+<file path=ppt/slides/slide18.xml><?xml version="1.0" encoding="utf-8"?>
 <p:sld xmlns:a="http://schemas.openxmlformats.org/drawingml/2006/main" xmlns:r="http://schemas.openxmlformats.org/officeDocument/2006/relationships" xmlns:p="http://schemas.openxmlformats.org/presentationml/2006/main">
   <p:cSld>
     <p:spTree>
@@ -10831,7 +11033,7 @@
 </p:sld>
 </file>
 
-<file path=ppt/slides/slide18.xml><?xml version="1.0" encoding="utf-8"?>
+<file path=ppt/slides/slide19.xml><?xml version="1.0" encoding="utf-8"?>
 <p:sld xmlns:a="http://schemas.openxmlformats.org/drawingml/2006/main" xmlns:r="http://schemas.openxmlformats.org/officeDocument/2006/relationships" xmlns:p="http://schemas.openxmlformats.org/presentationml/2006/main">
   <p:cSld>
     <p:spTree>
@@ -11381,117 +11583,6 @@
 </p:sld>
 </file>
 
-<file path=ppt/slides/slide19.xml><?xml version="1.0" encoding="utf-8"?>
-<p:sld xmlns:a="http://schemas.openxmlformats.org/drawingml/2006/main" xmlns:r="http://schemas.openxmlformats.org/officeDocument/2006/relationships" xmlns:p="http://schemas.openxmlformats.org/presentationml/2006/main">
-  <p:cSld>
-    <p:spTree>
-      <p:nvGrpSpPr>
-        <p:cNvPr id="1" name=""/>
-        <p:cNvGrpSpPr/>
-        <p:nvPr/>
-      </p:nvGrpSpPr>
-      <p:grpSpPr>
-        <a:xfrm>
-          <a:off x="0" y="0"/>
-          <a:ext cx="0" cy="0"/>
-          <a:chOff x="0" y="0"/>
-          <a:chExt cx="0" cy="0"/>
-        </a:xfrm>
-      </p:grpSpPr>
-      <p:sp>
-        <p:nvSpPr>
-          <p:cNvPr id="2" name="Title 1">
-            <a:extLst>
-              <a:ext uri="{FF2B5EF4-FFF2-40B4-BE49-F238E27FC236}">
-                <a16:creationId xmlns:a16="http://schemas.microsoft.com/office/drawing/2014/main" id="{CB9EC6A2-11D4-447F-874A-BDF67376F577}"/>
-              </a:ext>
-            </a:extLst>
-          </p:cNvPr>
-          <p:cNvSpPr>
-            <a:spLocks noGrp="1"/>
-          </p:cNvSpPr>
-          <p:nvPr>
-            <p:ph type="title"/>
-          </p:nvPr>
-        </p:nvSpPr>
-        <p:spPr/>
-        <p:txBody>
-          <a:bodyPr/>
-          <a:lstStyle/>
-          <a:p>
-            <a:pPr algn="ctr"/>
-            <a:r>
-              <a:rPr lang="en-IN" dirty="0"/>
-              <a:t>Future Work</a:t>
-            </a:r>
-          </a:p>
-        </p:txBody>
-      </p:sp>
-      <p:sp>
-        <p:nvSpPr>
-          <p:cNvPr id="3" name="Text Placeholder 2">
-            <a:extLst>
-              <a:ext uri="{FF2B5EF4-FFF2-40B4-BE49-F238E27FC236}">
-                <a16:creationId xmlns:a16="http://schemas.microsoft.com/office/drawing/2014/main" id="{AFC7F479-81A3-4FCE-9968-ACDD1A097627}"/>
-              </a:ext>
-            </a:extLst>
-          </p:cNvPr>
-          <p:cNvSpPr>
-            <a:spLocks noGrp="1"/>
-          </p:cNvSpPr>
-          <p:nvPr>
-            <p:ph type="body" idx="1"/>
-          </p:nvPr>
-        </p:nvSpPr>
-        <p:spPr/>
-        <p:txBody>
-          <a:bodyPr/>
-          <a:lstStyle/>
-          <a:p>
-            <a:r>
-              <a:rPr lang="en-IN" dirty="0"/>
-              <a:t>Can help doctors to prescribe medicines. Reduce 500 to 20</a:t>
-            </a:r>
-          </a:p>
-          <a:p>
-            <a:endParaRPr lang="en-IN" dirty="0"/>
-          </a:p>
-          <a:p>
-            <a:endParaRPr lang="en-IN" dirty="0"/>
-          </a:p>
-          <a:p>
-            <a:r>
-              <a:rPr lang="en-IN" dirty="0"/>
-              <a:t>Additional features for higher accuracy</a:t>
-            </a:r>
-          </a:p>
-          <a:p>
-            <a:endParaRPr lang="en-IN" dirty="0"/>
-          </a:p>
-          <a:p>
-            <a:endParaRPr lang="en-IN" dirty="0"/>
-          </a:p>
-          <a:p>
-            <a:r>
-              <a:rPr lang="en-IN" dirty="0"/>
-              <a:t>Perform a similar analysis for other ailments</a:t>
-            </a:r>
-          </a:p>
-        </p:txBody>
-      </p:sp>
-    </p:spTree>
-    <p:extLst>
-      <p:ext uri="{BB962C8B-B14F-4D97-AF65-F5344CB8AC3E}">
-        <p14:creationId xmlns:p14="http://schemas.microsoft.com/office/powerpoint/2010/main" val="26358770"/>
-      </p:ext>
-    </p:extLst>
-  </p:cSld>
-  <p:clrMapOvr>
-    <a:masterClrMapping/>
-  </p:clrMapOvr>
-</p:sld>
-</file>
-
 <file path=ppt/slides/slide2.xml><?xml version="1.0" encoding="utf-8"?>
 <p:sld xmlns:a="http://schemas.openxmlformats.org/drawingml/2006/main" xmlns:r="http://schemas.openxmlformats.org/officeDocument/2006/relationships" xmlns:p="http://schemas.openxmlformats.org/presentationml/2006/main">
   <p:cSld>
@@ -11705,6 +11796,117 @@
 </file>
 
 <file path=ppt/slides/slide20.xml><?xml version="1.0" encoding="utf-8"?>
+<p:sld xmlns:a="http://schemas.openxmlformats.org/drawingml/2006/main" xmlns:r="http://schemas.openxmlformats.org/officeDocument/2006/relationships" xmlns:p="http://schemas.openxmlformats.org/presentationml/2006/main">
+  <p:cSld>
+    <p:spTree>
+      <p:nvGrpSpPr>
+        <p:cNvPr id="1" name=""/>
+        <p:cNvGrpSpPr/>
+        <p:nvPr/>
+      </p:nvGrpSpPr>
+      <p:grpSpPr>
+        <a:xfrm>
+          <a:off x="0" y="0"/>
+          <a:ext cx="0" cy="0"/>
+          <a:chOff x="0" y="0"/>
+          <a:chExt cx="0" cy="0"/>
+        </a:xfrm>
+      </p:grpSpPr>
+      <p:sp>
+        <p:nvSpPr>
+          <p:cNvPr id="2" name="Title 1">
+            <a:extLst>
+              <a:ext uri="{FF2B5EF4-FFF2-40B4-BE49-F238E27FC236}">
+                <a16:creationId xmlns:a16="http://schemas.microsoft.com/office/drawing/2014/main" id="{CB9EC6A2-11D4-447F-874A-BDF67376F577}"/>
+              </a:ext>
+            </a:extLst>
+          </p:cNvPr>
+          <p:cNvSpPr>
+            <a:spLocks noGrp="1"/>
+          </p:cNvSpPr>
+          <p:nvPr>
+            <p:ph type="title"/>
+          </p:nvPr>
+        </p:nvSpPr>
+        <p:spPr/>
+        <p:txBody>
+          <a:bodyPr/>
+          <a:lstStyle/>
+          <a:p>
+            <a:pPr algn="ctr"/>
+            <a:r>
+              <a:rPr lang="en-IN" dirty="0"/>
+              <a:t>Future Work</a:t>
+            </a:r>
+          </a:p>
+        </p:txBody>
+      </p:sp>
+      <p:sp>
+        <p:nvSpPr>
+          <p:cNvPr id="3" name="Text Placeholder 2">
+            <a:extLst>
+              <a:ext uri="{FF2B5EF4-FFF2-40B4-BE49-F238E27FC236}">
+                <a16:creationId xmlns:a16="http://schemas.microsoft.com/office/drawing/2014/main" id="{AFC7F479-81A3-4FCE-9968-ACDD1A097627}"/>
+              </a:ext>
+            </a:extLst>
+          </p:cNvPr>
+          <p:cNvSpPr>
+            <a:spLocks noGrp="1"/>
+          </p:cNvSpPr>
+          <p:nvPr>
+            <p:ph type="body" idx="1"/>
+          </p:nvPr>
+        </p:nvSpPr>
+        <p:spPr/>
+        <p:txBody>
+          <a:bodyPr/>
+          <a:lstStyle/>
+          <a:p>
+            <a:r>
+              <a:rPr lang="en-IN" dirty="0"/>
+              <a:t>Can help doctors to prescribe medicines. Reduce 500 to 20</a:t>
+            </a:r>
+          </a:p>
+          <a:p>
+            <a:endParaRPr lang="en-IN" dirty="0"/>
+          </a:p>
+          <a:p>
+            <a:endParaRPr lang="en-IN" dirty="0"/>
+          </a:p>
+          <a:p>
+            <a:r>
+              <a:rPr lang="en-IN" dirty="0"/>
+              <a:t>Additional features for higher accuracy</a:t>
+            </a:r>
+          </a:p>
+          <a:p>
+            <a:endParaRPr lang="en-IN" dirty="0"/>
+          </a:p>
+          <a:p>
+            <a:endParaRPr lang="en-IN" dirty="0"/>
+          </a:p>
+          <a:p>
+            <a:r>
+              <a:rPr lang="en-IN" dirty="0"/>
+              <a:t>Perform a similar analysis for other ailments</a:t>
+            </a:r>
+          </a:p>
+        </p:txBody>
+      </p:sp>
+    </p:spTree>
+    <p:extLst>
+      <p:ext uri="{BB962C8B-B14F-4D97-AF65-F5344CB8AC3E}">
+        <p14:creationId xmlns:p14="http://schemas.microsoft.com/office/powerpoint/2010/main" val="26358770"/>
+      </p:ext>
+    </p:extLst>
+  </p:cSld>
+  <p:clrMapOvr>
+    <a:masterClrMapping/>
+  </p:clrMapOvr>
+</p:sld>
+</file>
+
+<file path=ppt/slides/slide21.xml><?xml version="1.0" encoding="utf-8"?>
 <p:sld xmlns:a="http://schemas.openxmlformats.org/drawingml/2006/main" xmlns:r="http://schemas.openxmlformats.org/officeDocument/2006/relationships" xmlns:p="http://schemas.openxmlformats.org/presentationml/2006/main">
   <p:cSld>
     <p:spTree>
@@ -12263,6 +12465,170 @@
   <p:cSld>
     <p:spTree>
       <p:nvGrpSpPr>
+        <p:cNvPr id="1" name=""/>
+        <p:cNvGrpSpPr/>
+        <p:nvPr/>
+      </p:nvGrpSpPr>
+      <p:grpSpPr>
+        <a:xfrm>
+          <a:off x="0" y="0"/>
+          <a:ext cx="0" cy="0"/>
+          <a:chOff x="0" y="0"/>
+          <a:chExt cx="0" cy="0"/>
+        </a:xfrm>
+      </p:grpSpPr>
+      <p:sp>
+        <p:nvSpPr>
+          <p:cNvPr id="2" name="Title 1">
+            <a:extLst>
+              <a:ext uri="{FF2B5EF4-FFF2-40B4-BE49-F238E27FC236}">
+                <a16:creationId xmlns:a16="http://schemas.microsoft.com/office/drawing/2014/main" id="{1B1F71DD-F145-4BF6-8197-E39448FE56C4}"/>
+              </a:ext>
+            </a:extLst>
+          </p:cNvPr>
+          <p:cNvSpPr>
+            <a:spLocks noGrp="1"/>
+          </p:cNvSpPr>
+          <p:nvPr>
+            <p:ph type="title"/>
+          </p:nvPr>
+        </p:nvSpPr>
+        <p:spPr/>
+        <p:txBody>
+          <a:bodyPr/>
+          <a:lstStyle/>
+          <a:p>
+            <a:pPr algn="ctr"/>
+            <a:r>
+              <a:rPr lang="en-GB" dirty="0"/>
+              <a:t>Component Extraction Criterion</a:t>
+            </a:r>
+            <a:endParaRPr lang="en-US" dirty="0"/>
+          </a:p>
+        </p:txBody>
+      </p:sp>
+      <p:sp>
+        <p:nvSpPr>
+          <p:cNvPr id="3" name="Text Placeholder 2">
+            <a:extLst>
+              <a:ext uri="{FF2B5EF4-FFF2-40B4-BE49-F238E27FC236}">
+                <a16:creationId xmlns:a16="http://schemas.microsoft.com/office/drawing/2014/main" id="{607E0AB3-48A2-4664-907C-29222709187B}"/>
+              </a:ext>
+            </a:extLst>
+          </p:cNvPr>
+          <p:cNvSpPr>
+            <a:spLocks noGrp="1"/>
+          </p:cNvSpPr>
+          <p:nvPr>
+            <p:ph type="body" idx="1"/>
+          </p:nvPr>
+        </p:nvSpPr>
+        <p:spPr/>
+        <p:txBody>
+          <a:bodyPr/>
+          <a:lstStyle/>
+          <a:p>
+            <a:pPr lvl="0"/>
+            <a:r>
+              <a:rPr lang="en-US" dirty="0"/>
+              <a:t>Eigenvalue Criterion - </a:t>
+            </a:r>
+            <a:r>
+              <a:rPr lang="en-US" sz="1400" dirty="0"/>
+              <a:t>The eigenvalue criterion states that only components with eigenvalues greater than 1 should be retained. Note that if there are fewer than 20 variables, the eigenvalue criterion tends to recommend extracting too few components.</a:t>
+            </a:r>
+          </a:p>
+          <a:p>
+            <a:pPr lvl="0">
+              <a:spcBef>
+                <a:spcPts val="1000"/>
+              </a:spcBef>
+            </a:pPr>
+            <a:r>
+              <a:rPr lang="en-US" dirty="0"/>
+              <a:t>Proportion of Variance Explained Criterion - </a:t>
+            </a:r>
+            <a:r>
+              <a:rPr lang="en-US" sz="1400" dirty="0"/>
+              <a:t>how much of the total variability he or she would like the principal components to account for</a:t>
+            </a:r>
+            <a:r>
+              <a:rPr lang="en-US" dirty="0"/>
+              <a:t>.</a:t>
+            </a:r>
+          </a:p>
+          <a:p>
+            <a:pPr lvl="0">
+              <a:spcBef>
+                <a:spcPts val="1000"/>
+              </a:spcBef>
+            </a:pPr>
+            <a:r>
+              <a:rPr lang="en-US" dirty="0"/>
+              <a:t>Scree Plot Criterion </a:t>
+            </a:r>
+            <a:r>
+              <a:rPr lang="en-US" sz="1400" dirty="0"/>
+              <a:t>- The maximum number of components that should be extracted is just prior to where the plot first begins to straighten out into a horizontal line</a:t>
+            </a:r>
+          </a:p>
+          <a:p>
+            <a:endParaRPr lang="en-US" dirty="0"/>
+          </a:p>
+        </p:txBody>
+      </p:sp>
+      <p:sp>
+        <p:nvSpPr>
+          <p:cNvPr id="4" name="Rectangle 3">
+            <a:extLst>
+              <a:ext uri="{FF2B5EF4-FFF2-40B4-BE49-F238E27FC236}">
+                <a16:creationId xmlns:a16="http://schemas.microsoft.com/office/drawing/2014/main" id="{A5D10271-D4BD-457D-91BA-4203E8E99837}"/>
+              </a:ext>
+            </a:extLst>
+          </p:cNvPr>
+          <p:cNvSpPr/>
+          <p:nvPr/>
+        </p:nvSpPr>
+        <p:spPr>
+          <a:xfrm>
+            <a:off x="4454820" y="2417862"/>
+            <a:ext cx="234360" cy="307777"/>
+          </a:xfrm>
+          <a:prstGeom prst="rect">
+            <a:avLst/>
+          </a:prstGeom>
+        </p:spPr>
+        <p:txBody>
+          <a:bodyPr wrap="none">
+            <a:spAutoFit/>
+          </a:bodyPr>
+          <a:lstStyle/>
+          <a:p>
+            <a:r>
+              <a:rPr lang="en-US" dirty="0"/>
+              <a:t> </a:t>
+            </a:r>
+          </a:p>
+        </p:txBody>
+      </p:sp>
+    </p:spTree>
+    <p:extLst>
+      <p:ext uri="{BB962C8B-B14F-4D97-AF65-F5344CB8AC3E}">
+        <p14:creationId xmlns:p14="http://schemas.microsoft.com/office/powerpoint/2010/main" val="2920922687"/>
+      </p:ext>
+    </p:extLst>
+  </p:cSld>
+  <p:clrMapOvr>
+    <a:masterClrMapping/>
+  </p:clrMapOvr>
+</p:sld>
+</file>
+
+<file path=ppt/slides/slide6.xml><?xml version="1.0" encoding="utf-8"?>
+<p:sld xmlns:a="http://schemas.openxmlformats.org/drawingml/2006/main" xmlns:r="http://schemas.openxmlformats.org/officeDocument/2006/relationships" xmlns:p="http://schemas.openxmlformats.org/presentationml/2006/main">
+  <p:cSld>
+    <p:spTree>
+      <p:nvGrpSpPr>
         <p:cNvPr id="1" name="Shape 80"/>
         <p:cNvGrpSpPr/>
         <p:nvPr/>
@@ -12421,7 +12787,7 @@
 </p:sld>
 </file>
 
-<file path=ppt/slides/slide6.xml><?xml version="1.0" encoding="utf-8"?>
+<file path=ppt/slides/slide7.xml><?xml version="1.0" encoding="utf-8"?>
 <p:sld xmlns:a="http://schemas.openxmlformats.org/drawingml/2006/main" xmlns:r="http://schemas.openxmlformats.org/officeDocument/2006/relationships" xmlns:p="http://schemas.openxmlformats.org/presentationml/2006/main">
   <p:cSld>
     <p:spTree>
@@ -12610,7 +12976,7 @@
 </p:sld>
 </file>
 
-<file path=ppt/slides/slide7.xml><?xml version="1.0" encoding="utf-8"?>
+<file path=ppt/slides/slide8.xml><?xml version="1.0" encoding="utf-8"?>
 <p:sld xmlns:a="http://schemas.openxmlformats.org/drawingml/2006/main" xmlns:r="http://schemas.openxmlformats.org/officeDocument/2006/relationships" xmlns:p="http://schemas.openxmlformats.org/presentationml/2006/main">
   <p:cSld>
     <p:spTree>
@@ -12765,7 +13131,7 @@
 </p:sld>
 </file>
 
-<file path=ppt/slides/slide8.xml><?xml version="1.0" encoding="utf-8"?>
+<file path=ppt/slides/slide9.xml><?xml version="1.0" encoding="utf-8"?>
 <p:sld xmlns:a="http://schemas.openxmlformats.org/drawingml/2006/main" xmlns:r="http://schemas.openxmlformats.org/officeDocument/2006/relationships" xmlns:p="http://schemas.openxmlformats.org/presentationml/2006/main">
   <p:cSld>
     <p:spTree>
@@ -12986,207 +13352,6 @@
               </a:spcAft>
               <a:buNone/>
             </a:pPr>
-            <a:endParaRPr/>
-          </a:p>
-        </p:txBody>
-      </p:sp>
-    </p:spTree>
-  </p:cSld>
-  <p:clrMapOvr>
-    <a:masterClrMapping/>
-  </p:clrMapOvr>
-</p:sld>
-</file>
-
-<file path=ppt/slides/slide9.xml><?xml version="1.0" encoding="utf-8"?>
-<p:sld xmlns:a="http://schemas.openxmlformats.org/drawingml/2006/main" xmlns:r="http://schemas.openxmlformats.org/officeDocument/2006/relationships" xmlns:p="http://schemas.openxmlformats.org/presentationml/2006/main">
-  <p:cSld>
-    <p:spTree>
-      <p:nvGrpSpPr>
-        <p:cNvPr id="1" name="Shape 106"/>
-        <p:cNvGrpSpPr/>
-        <p:nvPr/>
-      </p:nvGrpSpPr>
-      <p:grpSpPr>
-        <a:xfrm>
-          <a:off x="0" y="0"/>
-          <a:ext cx="0" cy="0"/>
-          <a:chOff x="0" y="0"/>
-          <a:chExt cx="0" cy="0"/>
-        </a:xfrm>
-      </p:grpSpPr>
-      <p:sp>
-        <p:nvSpPr>
-          <p:cNvPr id="107" name="Shape 107"/>
-          <p:cNvSpPr txBox="1">
-            <a:spLocks noGrp="1"/>
-          </p:cNvSpPr>
-          <p:nvPr>
-            <p:ph type="title"/>
-          </p:nvPr>
-        </p:nvSpPr>
-        <p:spPr>
-          <a:xfrm>
-            <a:off x="311700" y="445025"/>
-            <a:ext cx="8520600" cy="572700"/>
-          </a:xfrm>
-          <a:prstGeom prst="rect">
-            <a:avLst/>
-          </a:prstGeom>
-        </p:spPr>
-        <p:txBody>
-          <a:bodyPr spcFirstLastPara="1" wrap="square" lIns="91425" tIns="91425" rIns="91425" bIns="91425" anchor="t" anchorCtr="0">
-            <a:noAutofit/>
-          </a:bodyPr>
-          <a:lstStyle/>
-          <a:p>
-            <a:pPr marL="0" lvl="0" indent="0" algn="ctr">
-              <a:spcBef>
-                <a:spcPts val="0"/>
-              </a:spcBef>
-              <a:spcAft>
-                <a:spcPts val="0"/>
-              </a:spcAft>
-              <a:buNone/>
-            </a:pPr>
-            <a:r>
-              <a:rPr lang="en-GB" dirty="0"/>
-              <a:t>Check Distribution</a:t>
-            </a:r>
-            <a:endParaRPr dirty="0"/>
-          </a:p>
-        </p:txBody>
-      </p:sp>
-      <p:sp>
-        <p:nvSpPr>
-          <p:cNvPr id="108" name="Shape 108"/>
-          <p:cNvSpPr txBox="1">
-            <a:spLocks noGrp="1"/>
-          </p:cNvSpPr>
-          <p:nvPr>
-            <p:ph type="body" idx="1"/>
-          </p:nvPr>
-        </p:nvSpPr>
-        <p:spPr>
-          <a:xfrm>
-            <a:off x="311700" y="1152475"/>
-            <a:ext cx="8520600" cy="3416400"/>
-          </a:xfrm>
-          <a:prstGeom prst="rect">
-            <a:avLst/>
-          </a:prstGeom>
-        </p:spPr>
-        <p:txBody>
-          <a:bodyPr spcFirstLastPara="1" wrap="square" lIns="91425" tIns="91425" rIns="91425" bIns="91425" anchor="t" anchorCtr="0">
-            <a:noAutofit/>
-          </a:bodyPr>
-          <a:lstStyle/>
-          <a:p>
-            <a:pPr marL="457200" lvl="0" indent="-342900" rtl="0">
-              <a:spcBef>
-                <a:spcPts val="0"/>
-              </a:spcBef>
-              <a:spcAft>
-                <a:spcPts val="0"/>
-              </a:spcAft>
-              <a:buSzPts val="1800"/>
-              <a:buChar char="●"/>
-            </a:pPr>
-            <a:r>
-              <a:rPr lang="en-GB"/>
-              <a:t>Predicting outcome=1 for all observations</a:t>
-            </a:r>
-            <a:endParaRPr/>
-          </a:p>
-          <a:p>
-            <a:pPr marL="914400" lvl="1" indent="-317500" rtl="0">
-              <a:spcBef>
-                <a:spcPts val="0"/>
-              </a:spcBef>
-              <a:spcAft>
-                <a:spcPts val="0"/>
-              </a:spcAft>
-              <a:buSzPts val="1400"/>
-              <a:buChar char="○"/>
-            </a:pPr>
-            <a:r>
-              <a:rPr lang="en-GB"/>
-              <a:t>Accuracy = 34.533%</a:t>
-            </a:r>
-            <a:endParaRPr/>
-          </a:p>
-          <a:p>
-            <a:pPr marL="0" lvl="0" indent="0" rtl="0">
-              <a:spcBef>
-                <a:spcPts val="1600"/>
-              </a:spcBef>
-              <a:spcAft>
-                <a:spcPts val="0"/>
-              </a:spcAft>
-              <a:buNone/>
-            </a:pPr>
-            <a:endParaRPr/>
-          </a:p>
-          <a:p>
-            <a:pPr marL="457200" lvl="0" indent="-342900" rtl="0">
-              <a:spcBef>
-                <a:spcPts val="1600"/>
-              </a:spcBef>
-              <a:spcAft>
-                <a:spcPts val="0"/>
-              </a:spcAft>
-              <a:buSzPts val="1800"/>
-              <a:buChar char="●"/>
-            </a:pPr>
-            <a:r>
-              <a:rPr lang="en-GB"/>
-              <a:t>Prediction outcome=0 for all observations</a:t>
-            </a:r>
-            <a:endParaRPr/>
-          </a:p>
-          <a:p>
-            <a:pPr marL="914400" lvl="1" indent="-317500" rtl="0">
-              <a:spcBef>
-                <a:spcPts val="0"/>
-              </a:spcBef>
-              <a:spcAft>
-                <a:spcPts val="0"/>
-              </a:spcAft>
-              <a:buSzPts val="1400"/>
-              <a:buChar char="○"/>
-            </a:pPr>
-            <a:r>
-              <a:rPr lang="en-GB"/>
-              <a:t>Accuracy = 65.104%</a:t>
-            </a:r>
-            <a:endParaRPr/>
-          </a:p>
-          <a:p>
-            <a:pPr marL="0" lvl="0" indent="0" rtl="0">
-              <a:spcBef>
-                <a:spcPts val="1600"/>
-              </a:spcBef>
-              <a:spcAft>
-                <a:spcPts val="0"/>
-              </a:spcAft>
-              <a:buNone/>
-            </a:pPr>
-            <a:endParaRPr/>
-          </a:p>
-          <a:p>
-            <a:pPr marL="0" lvl="0" indent="457200">
-              <a:spcBef>
-                <a:spcPts val="1600"/>
-              </a:spcBef>
-              <a:spcAft>
-                <a:spcPts val="1600"/>
-              </a:spcAft>
-              <a:buNone/>
-            </a:pPr>
-            <a:r>
-              <a:rPr lang="en-GB"/>
-              <a:t>=&gt; We should test for an alternative hypothesis</a:t>
-            </a:r>
             <a:endParaRPr/>
           </a:p>
         </p:txBody>
